--- a/设计模式.pptx
+++ b/设计模式.pptx
@@ -12,7 +12,8 @@
     <p:sldId id="260" r:id="rId6"/>
     <p:sldId id="261" r:id="rId7"/>
     <p:sldId id="263" r:id="rId8"/>
-    <p:sldId id="262" r:id="rId9"/>
+    <p:sldId id="264" r:id="rId9"/>
+    <p:sldId id="262" r:id="rId10"/>
   </p:sldIdLst>
   <p:sldSz cx="12192000" cy="6858000"/>
   <p:notesSz cx="6858000" cy="9144000"/>
@@ -250,7 +251,7 @@
           <a:p>
             <a:fld id="{06028ED6-4E55-4A54-B87A-A615BAC9E3BC}" type="datetimeFigureOut">
               <a:rPr lang="zh-CN" altLang="en-US" smtClean="0"/>
-              <a:t>2019/1/30</a:t>
+              <a:t>2019/2/11</a:t>
             </a:fld>
             <a:endParaRPr lang="zh-CN" altLang="en-US"/>
           </a:p>
@@ -420,7 +421,7 @@
           <a:p>
             <a:fld id="{06028ED6-4E55-4A54-B87A-A615BAC9E3BC}" type="datetimeFigureOut">
               <a:rPr lang="zh-CN" altLang="en-US" smtClean="0"/>
-              <a:t>2019/1/30</a:t>
+              <a:t>2019/2/11</a:t>
             </a:fld>
             <a:endParaRPr lang="zh-CN" altLang="en-US"/>
           </a:p>
@@ -600,7 +601,7 @@
           <a:p>
             <a:fld id="{06028ED6-4E55-4A54-B87A-A615BAC9E3BC}" type="datetimeFigureOut">
               <a:rPr lang="zh-CN" altLang="en-US" smtClean="0"/>
-              <a:t>2019/1/30</a:t>
+              <a:t>2019/2/11</a:t>
             </a:fld>
             <a:endParaRPr lang="zh-CN" altLang="en-US"/>
           </a:p>
@@ -770,7 +771,7 @@
           <a:p>
             <a:fld id="{06028ED6-4E55-4A54-B87A-A615BAC9E3BC}" type="datetimeFigureOut">
               <a:rPr lang="zh-CN" altLang="en-US" smtClean="0"/>
-              <a:t>2019/1/30</a:t>
+              <a:t>2019/2/11</a:t>
             </a:fld>
             <a:endParaRPr lang="zh-CN" altLang="en-US"/>
           </a:p>
@@ -1016,7 +1017,7 @@
           <a:p>
             <a:fld id="{06028ED6-4E55-4A54-B87A-A615BAC9E3BC}" type="datetimeFigureOut">
               <a:rPr lang="zh-CN" altLang="en-US" smtClean="0"/>
-              <a:t>2019/1/30</a:t>
+              <a:t>2019/2/11</a:t>
             </a:fld>
             <a:endParaRPr lang="zh-CN" altLang="en-US"/>
           </a:p>
@@ -1248,7 +1249,7 @@
           <a:p>
             <a:fld id="{06028ED6-4E55-4A54-B87A-A615BAC9E3BC}" type="datetimeFigureOut">
               <a:rPr lang="zh-CN" altLang="en-US" smtClean="0"/>
-              <a:t>2019/1/30</a:t>
+              <a:t>2019/2/11</a:t>
             </a:fld>
             <a:endParaRPr lang="zh-CN" altLang="en-US"/>
           </a:p>
@@ -1615,7 +1616,7 @@
           <a:p>
             <a:fld id="{06028ED6-4E55-4A54-B87A-A615BAC9E3BC}" type="datetimeFigureOut">
               <a:rPr lang="zh-CN" altLang="en-US" smtClean="0"/>
-              <a:t>2019/1/30</a:t>
+              <a:t>2019/2/11</a:t>
             </a:fld>
             <a:endParaRPr lang="zh-CN" altLang="en-US"/>
           </a:p>
@@ -1733,7 +1734,7 @@
           <a:p>
             <a:fld id="{06028ED6-4E55-4A54-B87A-A615BAC9E3BC}" type="datetimeFigureOut">
               <a:rPr lang="zh-CN" altLang="en-US" smtClean="0"/>
-              <a:t>2019/1/30</a:t>
+              <a:t>2019/2/11</a:t>
             </a:fld>
             <a:endParaRPr lang="zh-CN" altLang="en-US"/>
           </a:p>
@@ -1828,7 +1829,7 @@
           <a:p>
             <a:fld id="{06028ED6-4E55-4A54-B87A-A615BAC9E3BC}" type="datetimeFigureOut">
               <a:rPr lang="zh-CN" altLang="en-US" smtClean="0"/>
-              <a:t>2019/1/30</a:t>
+              <a:t>2019/2/11</a:t>
             </a:fld>
             <a:endParaRPr lang="zh-CN" altLang="en-US"/>
           </a:p>
@@ -2105,7 +2106,7 @@
           <a:p>
             <a:fld id="{06028ED6-4E55-4A54-B87A-A615BAC9E3BC}" type="datetimeFigureOut">
               <a:rPr lang="zh-CN" altLang="en-US" smtClean="0"/>
-              <a:t>2019/1/30</a:t>
+              <a:t>2019/2/11</a:t>
             </a:fld>
             <a:endParaRPr lang="zh-CN" altLang="en-US"/>
           </a:p>
@@ -2358,7 +2359,7 @@
           <a:p>
             <a:fld id="{06028ED6-4E55-4A54-B87A-A615BAC9E3BC}" type="datetimeFigureOut">
               <a:rPr lang="zh-CN" altLang="en-US" smtClean="0"/>
-              <a:t>2019/1/30</a:t>
+              <a:t>2019/2/11</a:t>
             </a:fld>
             <a:endParaRPr lang="zh-CN" altLang="en-US"/>
           </a:p>
@@ -2571,7 +2572,7 @@
           <a:p>
             <a:fld id="{06028ED6-4E55-4A54-B87A-A615BAC9E3BC}" type="datetimeFigureOut">
               <a:rPr lang="zh-CN" altLang="en-US" smtClean="0"/>
-              <a:t>2019/1/30</a:t>
+              <a:t>2019/2/11</a:t>
             </a:fld>
             <a:endParaRPr lang="zh-CN" altLang="en-US"/>
           </a:p>
@@ -3847,7 +3848,67 @@
             <a:pPr marL="0" indent="0">
               <a:buNone/>
             </a:pPr>
-            <a:endParaRPr lang="zh-CN" altLang="en-US"/>
+            <a:r>
+              <a:rPr lang="zh-CN" altLang="en-US" dirty="0" smtClean="0"/>
+              <a:t>设计模式的四个境界：</a:t>
+            </a:r>
+            <a:endParaRPr lang="en-US" altLang="zh-CN" dirty="0" smtClean="0"/>
+          </a:p>
+          <a:p>
+            <a:pPr marL="0" indent="0">
+              <a:buNone/>
+            </a:pPr>
+            <a:r>
+              <a:rPr lang="en-US" altLang="zh-CN" dirty="0" smtClean="0"/>
+              <a:t>1</a:t>
+            </a:r>
+            <a:r>
+              <a:rPr lang="zh-CN" altLang="en-US" dirty="0" smtClean="0"/>
+              <a:t>、一点不懂，根本想不到用设计模式，设计的代码很糟糕</a:t>
+            </a:r>
+            <a:endParaRPr lang="en-US" altLang="zh-CN" dirty="0" smtClean="0"/>
+          </a:p>
+          <a:p>
+            <a:pPr marL="0" indent="0">
+              <a:buNone/>
+            </a:pPr>
+            <a:r>
+              <a:rPr lang="en-US" altLang="zh-CN" dirty="0" smtClean="0"/>
+              <a:t>2</a:t>
+            </a:r>
+            <a:r>
+              <a:rPr lang="zh-CN" altLang="en-US" dirty="0" smtClean="0"/>
+              <a:t>、学会几个模式，于是到处使用，时常造成误用模式而不自知</a:t>
+            </a:r>
+            <a:endParaRPr lang="en-US" altLang="zh-CN" dirty="0" smtClean="0"/>
+          </a:p>
+          <a:p>
+            <a:pPr marL="0" indent="0">
+              <a:buNone/>
+            </a:pPr>
+            <a:r>
+              <a:rPr lang="en-US" altLang="zh-CN" dirty="0" smtClean="0"/>
+              <a:t>3</a:t>
+            </a:r>
+            <a:r>
+              <a:rPr lang="zh-CN" altLang="en-US" dirty="0" smtClean="0"/>
+              <a:t>、学会全部模式，但是感觉诸多模式及其相似，无法分清模式之间的差异，非常困惑，但深知误用模式之害，应用时有所犹豫。</a:t>
+            </a:r>
+            <a:endParaRPr lang="en-US" altLang="zh-CN" dirty="0" smtClean="0"/>
+          </a:p>
+          <a:p>
+            <a:pPr marL="0" indent="0">
+              <a:buNone/>
+            </a:pPr>
+            <a:r>
+              <a:rPr lang="en-US" altLang="zh-CN" dirty="0" smtClean="0"/>
+              <a:t>4</a:t>
+            </a:r>
+            <a:r>
+              <a:rPr lang="zh-CN" altLang="en-US" dirty="0" smtClean="0"/>
+              <a:t>、灵活运用，不应用具体某种模式也能设计出优秀的代码，无招胜有招。</a:t>
+            </a:r>
+            <a:endParaRPr lang="zh-CN" altLang="en-US" dirty="0"/>
           </a:p>
         </p:txBody>
       </p:sp>
@@ -3911,15 +3972,196 @@
           </a:p>
         </p:txBody>
       </p:sp>
+      <p:sp>
+        <p:nvSpPr>
+          <p:cNvPr id="3" name="内容占位符 2"/>
+          <p:cNvSpPr>
+            <a:spLocks noGrp="1"/>
+          </p:cNvSpPr>
+          <p:nvPr>
+            <p:ph idx="1"/>
+          </p:nvPr>
+        </p:nvSpPr>
+        <p:spPr/>
+        <p:txBody>
+          <a:bodyPr/>
+          <a:lstStyle/>
+          <a:p>
+            <a:pPr marL="0" indent="0">
+              <a:buNone/>
+            </a:pPr>
+            <a:r>
+              <a:rPr lang="zh-CN" altLang="en-US" dirty="0"/>
+              <a:t>初学者</a:t>
+            </a:r>
+            <a:r>
+              <a:rPr lang="zh-CN" altLang="en-US" dirty="0" smtClean="0"/>
+              <a:t>代码</a:t>
+            </a:r>
+            <a:endParaRPr lang="en-US" altLang="zh-CN" dirty="0" smtClean="0"/>
+          </a:p>
+          <a:p>
+            <a:pPr marL="0" indent="0">
+              <a:buNone/>
+            </a:pPr>
+            <a:r>
+              <a:rPr lang="zh-CN" altLang="en-US" dirty="0" smtClean="0"/>
+              <a:t>类</a:t>
+            </a:r>
+            <a:r>
+              <a:rPr lang="en-US" altLang="zh-CN" dirty="0" smtClean="0"/>
+              <a:t>{</a:t>
+            </a:r>
+          </a:p>
+          <a:p>
+            <a:pPr marL="0" indent="0">
+              <a:buNone/>
+            </a:pPr>
+            <a:r>
+              <a:rPr lang="en-US" altLang="zh-CN" dirty="0" smtClean="0"/>
+              <a:t>	</a:t>
+            </a:r>
+            <a:r>
+              <a:rPr lang="zh-CN" altLang="en-US" dirty="0" smtClean="0"/>
+              <a:t>逻辑</a:t>
+            </a:r>
+            <a:r>
+              <a:rPr lang="en-US" altLang="zh-CN" dirty="0" smtClean="0"/>
+              <a:t>1</a:t>
+            </a:r>
+          </a:p>
+          <a:p>
+            <a:pPr marL="0" indent="0">
+              <a:buNone/>
+            </a:pPr>
+            <a:r>
+              <a:rPr lang="en-US" altLang="zh-CN" dirty="0" smtClean="0"/>
+              <a:t>	</a:t>
+            </a:r>
+            <a:r>
+              <a:rPr lang="zh-CN" altLang="en-US" dirty="0" smtClean="0"/>
+              <a:t>逻辑</a:t>
+            </a:r>
+            <a:r>
+              <a:rPr lang="en-US" altLang="zh-CN" dirty="0" smtClean="0"/>
+              <a:t>2</a:t>
+            </a:r>
+          </a:p>
+          <a:p>
+            <a:pPr marL="0" indent="0">
+              <a:buNone/>
+            </a:pPr>
+            <a:r>
+              <a:rPr lang="en-US" altLang="zh-CN" dirty="0" smtClean="0"/>
+              <a:t>	</a:t>
+            </a:r>
+            <a:r>
+              <a:rPr lang="zh-CN" altLang="en-US" dirty="0" smtClean="0"/>
+              <a:t>逻辑</a:t>
+            </a:r>
+            <a:r>
+              <a:rPr lang="en-US" altLang="zh-CN" dirty="0" smtClean="0"/>
+              <a:t>3</a:t>
+            </a:r>
+            <a:endParaRPr lang="en-US" altLang="zh-CN" dirty="0"/>
+          </a:p>
+          <a:p>
+            <a:pPr marL="0" indent="0">
+              <a:buNone/>
+            </a:pPr>
+            <a:r>
+              <a:rPr lang="en-US" altLang="zh-CN" dirty="0"/>
+              <a:t>	</a:t>
+            </a:r>
+            <a:r>
+              <a:rPr lang="zh-CN" altLang="en-US" dirty="0" smtClean="0"/>
+              <a:t>逻辑</a:t>
+            </a:r>
+            <a:r>
+              <a:rPr lang="en-US" altLang="zh-CN" dirty="0" smtClean="0"/>
+              <a:t>······</a:t>
+            </a:r>
+          </a:p>
+          <a:p>
+            <a:pPr marL="0" indent="0">
+              <a:buNone/>
+            </a:pPr>
+            <a:r>
+              <a:rPr lang="en-US" altLang="zh-CN" dirty="0" smtClean="0"/>
+              <a:t>}</a:t>
+            </a:r>
+            <a:endParaRPr lang="zh-CN" altLang="en-US" dirty="0"/>
+          </a:p>
+        </p:txBody>
+      </p:sp>
+    </p:spTree>
+    <p:extLst>
+      <p:ext uri="{BB962C8B-B14F-4D97-AF65-F5344CB8AC3E}">
+        <p14:creationId xmlns:p14="http://schemas.microsoft.com/office/powerpoint/2010/main" val="850910393"/>
+      </p:ext>
+    </p:extLst>
+  </p:cSld>
+  <p:clrMapOvr>
+    <a:masterClrMapping/>
+  </p:clrMapOvr>
+</p:sld>
+</file>
+
+<file path=ppt/slides/slide8.xml><?xml version="1.0" encoding="utf-8"?>
+<p:sld xmlns:a="http://schemas.openxmlformats.org/drawingml/2006/main" xmlns:r="http://schemas.openxmlformats.org/officeDocument/2006/relationships" xmlns:p="http://schemas.openxmlformats.org/presentationml/2006/main">
+  <p:cSld>
+    <p:spTree>
+      <p:nvGrpSpPr>
+        <p:cNvPr id="1" name=""/>
+        <p:cNvGrpSpPr/>
+        <p:nvPr/>
+      </p:nvGrpSpPr>
+      <p:grpSpPr>
+        <a:xfrm>
+          <a:off x="0" y="0"/>
+          <a:ext cx="0" cy="0"/>
+          <a:chOff x="0" y="0"/>
+          <a:chExt cx="0" cy="0"/>
+        </a:xfrm>
+      </p:grpSpPr>
+      <p:sp>
+        <p:nvSpPr>
+          <p:cNvPr id="2" name="标题 1"/>
+          <p:cNvSpPr>
+            <a:spLocks noGrp="1"/>
+          </p:cNvSpPr>
+          <p:nvPr>
+            <p:ph type="title"/>
+          </p:nvPr>
+        </p:nvSpPr>
+        <p:spPr/>
+        <p:txBody>
+          <a:bodyPr/>
+          <a:lstStyle/>
+          <a:p>
+            <a:r>
+              <a:rPr lang="zh-CN" altLang="en-US" dirty="0" smtClean="0"/>
+              <a:t>简单</a:t>
+            </a:r>
+            <a:r>
+              <a:rPr lang="zh-CN" altLang="en-US" dirty="0" smtClean="0"/>
+              <a:t>工厂</a:t>
+            </a:r>
+            <a:r>
+              <a:rPr lang="zh-CN" altLang="en-US" dirty="0" smtClean="0"/>
+              <a:t>模式结构</a:t>
+            </a:r>
+            <a:endParaRPr lang="zh-CN" altLang="en-US" dirty="0"/>
+          </a:p>
+        </p:txBody>
+      </p:sp>
       <p:pic>
         <p:nvPicPr>
-          <p:cNvPr id="4" name="内容占位符 3"/>
+          <p:cNvPr id="5" name="图片 4"/>
           <p:cNvPicPr>
-            <a:picLocks noGrp="1" noChangeAspect="1"/>
+            <a:picLocks noChangeAspect="1"/>
           </p:cNvPicPr>
-          <p:nvPr>
-            <p:ph idx="1"/>
-          </p:nvPr>
+          <p:nvPr/>
         </p:nvPicPr>
         <p:blipFill>
           <a:blip r:embed="rId2">
@@ -3935,15 +4177,18 @@
         </p:blipFill>
         <p:spPr>
           <a:xfrm>
-            <a:off x="1517904" y="1455903"/>
-            <a:ext cx="9098280" cy="5477164"/>
+            <a:off x="1568177" y="1690688"/>
+            <a:ext cx="9274630" cy="4518088"/>
           </a:xfrm>
+          <a:prstGeom prst="rect">
+            <a:avLst/>
+          </a:prstGeom>
         </p:spPr>
       </p:pic>
     </p:spTree>
     <p:extLst>
       <p:ext uri="{BB962C8B-B14F-4D97-AF65-F5344CB8AC3E}">
-        <p14:creationId xmlns:p14="http://schemas.microsoft.com/office/powerpoint/2010/main" val="850910393"/>
+        <p14:creationId xmlns:p14="http://schemas.microsoft.com/office/powerpoint/2010/main" val="3897720266"/>
       </p:ext>
     </p:extLst>
   </p:cSld>
@@ -3953,7 +4198,7 @@
 </p:sld>
 </file>
 
-<file path=ppt/slides/slide8.xml><?xml version="1.0" encoding="utf-8"?>
+<file path=ppt/slides/slide9.xml><?xml version="1.0" encoding="utf-8"?>
 <p:sld xmlns:a="http://schemas.openxmlformats.org/drawingml/2006/main" xmlns:r="http://schemas.openxmlformats.org/officeDocument/2006/relationships" xmlns:p="http://schemas.openxmlformats.org/presentationml/2006/main">
   <p:cSld>
     <p:spTree>
@@ -4113,36 +4358,6 @@
           <a:xfrm>
             <a:off x="6076950" y="3390900"/>
             <a:ext cx="38100" cy="76200"/>
-          </a:xfrm>
-          <a:prstGeom prst="rect">
-            <a:avLst/>
-          </a:prstGeom>
-        </p:spPr>
-      </p:pic>
-      <p:pic>
-        <p:nvPicPr>
-          <p:cNvPr id="11" name="图片 10"/>
-          <p:cNvPicPr>
-            <a:picLocks noChangeAspect="1"/>
-          </p:cNvPicPr>
-          <p:nvPr/>
-        </p:nvPicPr>
-        <p:blipFill>
-          <a:blip r:embed="rId3">
-            <a:extLst>
-              <a:ext uri="{28A0092B-C50C-407E-A947-70E740481C1C}">
-                <a14:useLocalDpi xmlns:a14="http://schemas.microsoft.com/office/drawing/2010/main" val="0"/>
-              </a:ext>
-            </a:extLst>
-          </a:blip>
-          <a:stretch>
-            <a:fillRect/>
-          </a:stretch>
-        </p:blipFill>
-        <p:spPr>
-          <a:xfrm>
-            <a:off x="2102400" y="-1"/>
-            <a:ext cx="8166312" cy="7011791"/>
           </a:xfrm>
           <a:prstGeom prst="rect">
             <a:avLst/>

--- a/设计模式.pptx
+++ b/设计模式.pptx
@@ -12,8 +12,11 @@
     <p:sldId id="260" r:id="rId6"/>
     <p:sldId id="261" r:id="rId7"/>
     <p:sldId id="263" r:id="rId8"/>
-    <p:sldId id="264" r:id="rId9"/>
-    <p:sldId id="262" r:id="rId10"/>
+    <p:sldId id="268" r:id="rId9"/>
+    <p:sldId id="264" r:id="rId10"/>
+    <p:sldId id="265" r:id="rId11"/>
+    <p:sldId id="267" r:id="rId12"/>
+    <p:sldId id="266" r:id="rId13"/>
   </p:sldIdLst>
   <p:sldSz cx="12192000" cy="6858000"/>
   <p:notesSz cx="6858000" cy="9144000"/>
@@ -3070,6 +3073,360 @@
 </p:sld>
 </file>
 
+<file path=ppt/slides/slide10.xml><?xml version="1.0" encoding="utf-8"?>
+<p:sld xmlns:a="http://schemas.openxmlformats.org/drawingml/2006/main" xmlns:r="http://schemas.openxmlformats.org/officeDocument/2006/relationships" xmlns:p="http://schemas.openxmlformats.org/presentationml/2006/main">
+  <p:cSld>
+    <p:spTree>
+      <p:nvGrpSpPr>
+        <p:cNvPr id="1" name=""/>
+        <p:cNvGrpSpPr/>
+        <p:nvPr/>
+      </p:nvGrpSpPr>
+      <p:grpSpPr>
+        <a:xfrm>
+          <a:off x="0" y="0"/>
+          <a:ext cx="0" cy="0"/>
+          <a:chOff x="0" y="0"/>
+          <a:chExt cx="0" cy="0"/>
+        </a:xfrm>
+      </p:grpSpPr>
+      <p:sp>
+        <p:nvSpPr>
+          <p:cNvPr id="2" name="标题 1"/>
+          <p:cNvSpPr>
+            <a:spLocks noGrp="1"/>
+          </p:cNvSpPr>
+          <p:nvPr>
+            <p:ph type="title"/>
+          </p:nvPr>
+        </p:nvSpPr>
+        <p:spPr/>
+        <p:txBody>
+          <a:bodyPr/>
+          <a:lstStyle/>
+          <a:p>
+            <a:r>
+              <a:rPr lang="zh-CN" altLang="en-US" dirty="0" smtClean="0"/>
+              <a:t>三、策略模式</a:t>
+            </a:r>
+            <a:endParaRPr lang="zh-CN" altLang="en-US" dirty="0"/>
+          </a:p>
+        </p:txBody>
+      </p:sp>
+      <p:sp>
+        <p:nvSpPr>
+          <p:cNvPr id="5" name="内容占位符 4"/>
+          <p:cNvSpPr>
+            <a:spLocks noGrp="1"/>
+          </p:cNvSpPr>
+          <p:nvPr>
+            <p:ph idx="1"/>
+          </p:nvPr>
+        </p:nvSpPr>
+        <p:spPr/>
+        <p:txBody>
+          <a:bodyPr>
+            <a:normAutofit/>
+          </a:bodyPr>
+          <a:lstStyle/>
+          <a:p>
+            <a:pPr marL="0" indent="0">
+              <a:buNone/>
+            </a:pPr>
+            <a:r>
+              <a:rPr lang="zh-CN" altLang="en-US" dirty="0" smtClean="0"/>
+              <a:t>已经明确产品各项参数，只需要执行结果</a:t>
+            </a:r>
+            <a:endParaRPr lang="en-US" altLang="zh-CN" dirty="0" smtClean="0"/>
+          </a:p>
+          <a:p>
+            <a:pPr marL="0" indent="0">
+              <a:buNone/>
+            </a:pPr>
+            <a:r>
+              <a:rPr lang="zh-CN" altLang="en-US" dirty="0" smtClean="0"/>
+              <a:t>客户端</a:t>
+            </a:r>
+            <a:r>
+              <a:rPr lang="zh-CN" altLang="en-US" dirty="0"/>
+              <a:t>传达给服务端的是一个实例，服务端只是将该实例拿过去在服务端的环境里执行该实例的方法</a:t>
+            </a:r>
+            <a:endParaRPr lang="en-US" altLang="zh-CN" dirty="0"/>
+          </a:p>
+          <a:p>
+            <a:pPr marL="0" indent="0">
+              <a:buNone/>
+            </a:pPr>
+            <a:r>
+              <a:rPr lang="zh-CN" altLang="en-US" dirty="0"/>
+              <a:t>客户端：</a:t>
+            </a:r>
+            <a:r>
+              <a:rPr lang="zh-CN" altLang="en-US" dirty="0" smtClean="0"/>
+              <a:t>专家张金良</a:t>
+            </a:r>
+            <a:endParaRPr lang="en-US" altLang="zh-CN" dirty="0"/>
+          </a:p>
+          <a:p>
+            <a:pPr marL="0" indent="0">
+              <a:buNone/>
+            </a:pPr>
+            <a:r>
+              <a:rPr lang="zh-CN" altLang="en-US" dirty="0"/>
+              <a:t>工厂：产品中心</a:t>
+            </a:r>
+            <a:endParaRPr lang="en-US" altLang="zh-CN" dirty="0"/>
+          </a:p>
+          <a:p>
+            <a:pPr marL="0" indent="0">
+              <a:buNone/>
+            </a:pPr>
+            <a:r>
+              <a:rPr lang="zh-CN" altLang="en-US" dirty="0"/>
+              <a:t>实例对象</a:t>
+            </a:r>
+            <a:r>
+              <a:rPr lang="zh-CN" altLang="en-US" dirty="0" smtClean="0"/>
+              <a:t>：</a:t>
+            </a:r>
+            <a:r>
+              <a:rPr lang="zh-CN" altLang="en-US" dirty="0"/>
+              <a:t>彭老板（前端），刘立禹（数据），郭佳祥（后台）</a:t>
+            </a:r>
+            <a:endParaRPr lang="en-US" altLang="zh-CN" dirty="0"/>
+          </a:p>
+          <a:p>
+            <a:pPr marL="0" indent="0">
+              <a:buNone/>
+            </a:pPr>
+            <a:r>
+              <a:rPr lang="zh-CN" altLang="en-US" dirty="0" smtClean="0"/>
+              <a:t>专家</a:t>
+            </a:r>
+            <a:r>
+              <a:rPr lang="zh-CN" altLang="en-US" dirty="0"/>
+              <a:t>需要一个数据结果</a:t>
+            </a:r>
+            <a:r>
+              <a:rPr lang="zh-CN" altLang="en-US" dirty="0" smtClean="0"/>
+              <a:t>，老张明确知道数据只能</a:t>
+            </a:r>
+            <a:r>
+              <a:rPr lang="en-US" altLang="zh-CN" dirty="0"/>
+              <a:t>【</a:t>
+            </a:r>
+            <a:r>
+              <a:rPr lang="zh-CN" altLang="en-US" dirty="0"/>
+              <a:t>刘立禹</a:t>
+            </a:r>
+            <a:r>
+              <a:rPr lang="en-US" altLang="zh-CN" dirty="0" smtClean="0"/>
+              <a:t>】</a:t>
+            </a:r>
+            <a:r>
+              <a:rPr lang="zh-CN" altLang="en-US" dirty="0" smtClean="0"/>
+              <a:t>来做，直接指明</a:t>
+            </a:r>
+            <a:r>
+              <a:rPr lang="en-US" altLang="zh-CN" dirty="0"/>
+              <a:t>【</a:t>
+            </a:r>
+            <a:r>
+              <a:rPr lang="zh-CN" altLang="en-US" dirty="0"/>
+              <a:t>刘立禹</a:t>
+            </a:r>
+            <a:r>
+              <a:rPr lang="en-US" altLang="zh-CN" dirty="0" smtClean="0"/>
+              <a:t>】</a:t>
+            </a:r>
+            <a:r>
+              <a:rPr lang="zh-CN" altLang="en-US" dirty="0" smtClean="0"/>
+              <a:t>去做，并且给产品中心一个提取数据的需求然后返回数据</a:t>
+            </a:r>
+            <a:endParaRPr lang="zh-CN" altLang="en-US" dirty="0"/>
+          </a:p>
+          <a:p>
+            <a:pPr marL="0" indent="0">
+              <a:buNone/>
+            </a:pPr>
+            <a:endParaRPr lang="zh-CN" altLang="en-US" dirty="0"/>
+          </a:p>
+        </p:txBody>
+      </p:sp>
+    </p:spTree>
+    <p:extLst>
+      <p:ext uri="{BB962C8B-B14F-4D97-AF65-F5344CB8AC3E}">
+        <p14:creationId xmlns:p14="http://schemas.microsoft.com/office/powerpoint/2010/main" val="3051370954"/>
+      </p:ext>
+    </p:extLst>
+  </p:cSld>
+  <p:clrMapOvr>
+    <a:masterClrMapping/>
+  </p:clrMapOvr>
+</p:sld>
+</file>
+
+<file path=ppt/slides/slide11.xml><?xml version="1.0" encoding="utf-8"?>
+<p:sld xmlns:a="http://schemas.openxmlformats.org/drawingml/2006/main" xmlns:r="http://schemas.openxmlformats.org/officeDocument/2006/relationships" xmlns:p="http://schemas.openxmlformats.org/presentationml/2006/main">
+  <p:cSld>
+    <p:spTree>
+      <p:nvGrpSpPr>
+        <p:cNvPr id="1" name=""/>
+        <p:cNvGrpSpPr/>
+        <p:nvPr/>
+      </p:nvGrpSpPr>
+      <p:grpSpPr>
+        <a:xfrm>
+          <a:off x="0" y="0"/>
+          <a:ext cx="0" cy="0"/>
+          <a:chOff x="0" y="0"/>
+          <a:chExt cx="0" cy="0"/>
+        </a:xfrm>
+      </p:grpSpPr>
+      <p:sp>
+        <p:nvSpPr>
+          <p:cNvPr id="2" name="标题 1"/>
+          <p:cNvSpPr>
+            <a:spLocks noGrp="1"/>
+          </p:cNvSpPr>
+          <p:nvPr>
+            <p:ph type="title"/>
+          </p:nvPr>
+        </p:nvSpPr>
+        <p:spPr/>
+        <p:txBody>
+          <a:bodyPr/>
+          <a:lstStyle/>
+          <a:p>
+            <a:r>
+              <a:rPr lang="zh-CN" altLang="en-US" dirty="0" smtClean="0"/>
+              <a:t>策略模式结构</a:t>
+            </a:r>
+            <a:endParaRPr lang="zh-CN" altLang="en-US" dirty="0"/>
+          </a:p>
+        </p:txBody>
+      </p:sp>
+      <p:pic>
+        <p:nvPicPr>
+          <p:cNvPr id="4" name="内容占位符 3"/>
+          <p:cNvPicPr>
+            <a:picLocks noGrp="1" noChangeAspect="1"/>
+          </p:cNvPicPr>
+          <p:nvPr>
+            <p:ph idx="1"/>
+          </p:nvPr>
+        </p:nvPicPr>
+        <p:blipFill>
+          <a:blip r:embed="rId2">
+            <a:extLst>
+              <a:ext uri="{28A0092B-C50C-407E-A947-70E740481C1C}">
+                <a14:useLocalDpi xmlns:a14="http://schemas.microsoft.com/office/drawing/2010/main" val="0"/>
+              </a:ext>
+            </a:extLst>
+          </a:blip>
+          <a:stretch>
+            <a:fillRect/>
+          </a:stretch>
+        </p:blipFill>
+        <p:spPr>
+          <a:xfrm>
+            <a:off x="1332222" y="1560448"/>
+            <a:ext cx="9347969" cy="4921091"/>
+          </a:xfrm>
+        </p:spPr>
+      </p:pic>
+    </p:spTree>
+    <p:extLst>
+      <p:ext uri="{BB962C8B-B14F-4D97-AF65-F5344CB8AC3E}">
+        <p14:creationId xmlns:p14="http://schemas.microsoft.com/office/powerpoint/2010/main" val="1962610437"/>
+      </p:ext>
+    </p:extLst>
+  </p:cSld>
+  <p:clrMapOvr>
+    <a:masterClrMapping/>
+  </p:clrMapOvr>
+</p:sld>
+</file>
+
+<file path=ppt/slides/slide12.xml><?xml version="1.0" encoding="utf-8"?>
+<p:sld xmlns:a="http://schemas.openxmlformats.org/drawingml/2006/main" xmlns:r="http://schemas.openxmlformats.org/officeDocument/2006/relationships" xmlns:p="http://schemas.openxmlformats.org/presentationml/2006/main">
+  <p:cSld>
+    <p:spTree>
+      <p:nvGrpSpPr>
+        <p:cNvPr id="1" name=""/>
+        <p:cNvGrpSpPr/>
+        <p:nvPr/>
+      </p:nvGrpSpPr>
+      <p:grpSpPr>
+        <a:xfrm>
+          <a:off x="0" y="0"/>
+          <a:ext cx="0" cy="0"/>
+          <a:chOff x="0" y="0"/>
+          <a:chExt cx="0" cy="0"/>
+        </a:xfrm>
+      </p:grpSpPr>
+      <p:sp>
+        <p:nvSpPr>
+          <p:cNvPr id="2" name="标题 1"/>
+          <p:cNvSpPr>
+            <a:spLocks noGrp="1"/>
+          </p:cNvSpPr>
+          <p:nvPr>
+            <p:ph type="title"/>
+          </p:nvPr>
+        </p:nvSpPr>
+        <p:spPr/>
+        <p:txBody>
+          <a:bodyPr/>
+          <a:lstStyle/>
+          <a:p>
+            <a:r>
+              <a:rPr lang="zh-CN" altLang="en-US" dirty="0" smtClean="0"/>
+              <a:t>讲解参考网址</a:t>
+            </a:r>
+            <a:endParaRPr lang="zh-CN" altLang="en-US" dirty="0"/>
+          </a:p>
+        </p:txBody>
+      </p:sp>
+      <p:sp>
+        <p:nvSpPr>
+          <p:cNvPr id="3" name="内容占位符 2"/>
+          <p:cNvSpPr>
+            <a:spLocks noGrp="1"/>
+          </p:cNvSpPr>
+          <p:nvPr>
+            <p:ph idx="1"/>
+          </p:nvPr>
+        </p:nvSpPr>
+        <p:spPr/>
+        <p:txBody>
+          <a:bodyPr/>
+          <a:lstStyle/>
+          <a:p>
+            <a:pPr marL="0" indent="0">
+              <a:buNone/>
+            </a:pPr>
+            <a:r>
+              <a:rPr lang="en-US" altLang="zh-CN" dirty="0"/>
+              <a:t>https://www.cnblogs.com/zhangchenliang/p/3700820.html</a:t>
+            </a:r>
+            <a:endParaRPr lang="zh-CN" altLang="en-US" dirty="0"/>
+          </a:p>
+        </p:txBody>
+      </p:sp>
+    </p:spTree>
+    <p:extLst>
+      <p:ext uri="{BB962C8B-B14F-4D97-AF65-F5344CB8AC3E}">
+        <p14:creationId xmlns:p14="http://schemas.microsoft.com/office/powerpoint/2010/main" val="290999488"/>
+      </p:ext>
+    </p:extLst>
+  </p:cSld>
+  <p:clrMapOvr>
+    <a:masterClrMapping/>
+  </p:clrMapOvr>
+</p:sld>
+</file>
+
 <file path=ppt/slides/slide2.xml><?xml version="1.0" encoding="utf-8"?>
 <p:sld xmlns:a="http://schemas.openxmlformats.org/drawingml/2006/main" xmlns:r="http://schemas.openxmlformats.org/officeDocument/2006/relationships" xmlns:p="http://schemas.openxmlformats.org/presentationml/2006/main">
   <p:cSld>
@@ -3991,12 +4348,30 @@
               <a:buNone/>
             </a:pPr>
             <a:r>
+              <a:rPr lang="zh-CN" altLang="en-US" dirty="0" smtClean="0"/>
+              <a:t>通过工厂生产出需要的产品，然后执行结果</a:t>
+            </a:r>
+            <a:endParaRPr lang="en-US" altLang="zh-CN" dirty="0" smtClean="0"/>
+          </a:p>
+          <a:p>
+            <a:pPr marL="0" indent="0">
+              <a:buNone/>
+            </a:pPr>
+            <a:r>
               <a:rPr lang="zh-CN" altLang="en-US" dirty="0"/>
-              <a:t>初学者</a:t>
-            </a:r>
-            <a:r>
-              <a:rPr lang="zh-CN" altLang="en-US" dirty="0" smtClean="0"/>
-              <a:t>代码</a:t>
+              <a:t>客户端传达给服务</a:t>
+            </a:r>
+            <a:r>
+              <a:rPr lang="zh-CN" altLang="en-US" dirty="0" smtClean="0"/>
+              <a:t>端（工厂）的</a:t>
+            </a:r>
+            <a:r>
+              <a:rPr lang="zh-CN" altLang="en-US" dirty="0"/>
+              <a:t>只是某种标识，服务端根据该标识实例化一个</a:t>
+            </a:r>
+            <a:r>
+              <a:rPr lang="zh-CN" altLang="en-US" dirty="0" smtClean="0"/>
+              <a:t>对象</a:t>
             </a:r>
             <a:endParaRPr lang="en-US" altLang="zh-CN" dirty="0" smtClean="0"/>
           </a:p>
@@ -4006,89 +4381,69 @@
             </a:pPr>
             <a:r>
               <a:rPr lang="zh-CN" altLang="en-US" dirty="0" smtClean="0"/>
-              <a:t>类</a:t>
+              <a:t>客户端：专家</a:t>
+            </a:r>
+            <a:endParaRPr lang="en-US" altLang="zh-CN" dirty="0" smtClean="0"/>
+          </a:p>
+          <a:p>
+            <a:pPr marL="0" indent="0">
+              <a:buNone/>
+            </a:pPr>
+            <a:r>
+              <a:rPr lang="zh-CN" altLang="en-US" dirty="0" smtClean="0"/>
+              <a:t>工厂：产品中心</a:t>
+            </a:r>
+            <a:endParaRPr lang="en-US" altLang="zh-CN" dirty="0" smtClean="0"/>
+          </a:p>
+          <a:p>
+            <a:pPr marL="0" indent="0">
+              <a:buNone/>
+            </a:pPr>
+            <a:r>
+              <a:rPr lang="zh-CN" altLang="en-US" dirty="0" smtClean="0"/>
+              <a:t>实例对象：彭老板（前端），刘立禹（数据），郭佳祥（后台）</a:t>
+            </a:r>
+            <a:endParaRPr lang="en-US" altLang="zh-CN" dirty="0" smtClean="0"/>
+          </a:p>
+          <a:p>
+            <a:pPr marL="0" indent="0">
+              <a:buNone/>
+            </a:pPr>
+            <a:r>
+              <a:rPr lang="zh-CN" altLang="en-US" dirty="0" smtClean="0"/>
+              <a:t>专家需要一个数据结果，针对产品中心提出需求，然后产品中心根据需求类型“</a:t>
+            </a:r>
+            <a:r>
+              <a:rPr lang="zh-CN" altLang="en-US" dirty="0"/>
+              <a:t>数据</a:t>
+            </a:r>
+            <a:r>
+              <a:rPr lang="zh-CN" altLang="en-US" dirty="0" smtClean="0"/>
+              <a:t>”指派（</a:t>
+            </a:r>
+            <a:r>
+              <a:rPr lang="zh-CN" altLang="en-US" dirty="0"/>
+              <a:t>实例化</a:t>
+            </a:r>
+            <a:r>
+              <a:rPr lang="zh-CN" altLang="en-US" dirty="0" smtClean="0"/>
+              <a:t>）一个对象</a:t>
             </a:r>
             <a:r>
               <a:rPr lang="en-US" altLang="zh-CN" dirty="0" smtClean="0"/>
-              <a:t>{</a:t>
-            </a:r>
-          </a:p>
-          <a:p>
-            <a:pPr marL="0" indent="0">
-              <a:buNone/>
-            </a:pPr>
+              <a:t>【</a:t>
+            </a:r>
+            <a:r>
+              <a:rPr lang="zh-CN" altLang="en-US" dirty="0"/>
+              <a:t>刘立禹</a:t>
+            </a:r>
             <a:r>
               <a:rPr lang="en-US" altLang="zh-CN" dirty="0" smtClean="0"/>
-              <a:t>	</a:t>
-            </a:r>
-            <a:r>
-              <a:rPr lang="zh-CN" altLang="en-US" dirty="0" smtClean="0"/>
-              <a:t>逻辑</a:t>
-            </a:r>
-            <a:r>
-              <a:rPr lang="en-US" altLang="zh-CN" dirty="0" smtClean="0"/>
-              <a:t>1</a:t>
-            </a:r>
-          </a:p>
-          <a:p>
-            <a:pPr marL="0" indent="0">
-              <a:buNone/>
-            </a:pPr>
-            <a:r>
-              <a:rPr lang="en-US" altLang="zh-CN" dirty="0" smtClean="0"/>
-              <a:t>	</a:t>
-            </a:r>
-            <a:r>
-              <a:rPr lang="zh-CN" altLang="en-US" dirty="0" smtClean="0"/>
-              <a:t>逻辑</a:t>
-            </a:r>
-            <a:r>
-              <a:rPr lang="en-US" altLang="zh-CN" dirty="0" smtClean="0"/>
-              <a:t>2</a:t>
-            </a:r>
-          </a:p>
-          <a:p>
-            <a:pPr marL="0" indent="0">
-              <a:buNone/>
-            </a:pPr>
-            <a:r>
-              <a:rPr lang="en-US" altLang="zh-CN" dirty="0" smtClean="0"/>
-              <a:t>	</a:t>
-            </a:r>
-            <a:r>
-              <a:rPr lang="zh-CN" altLang="en-US" dirty="0" smtClean="0"/>
-              <a:t>逻辑</a:t>
-            </a:r>
-            <a:r>
-              <a:rPr lang="en-US" altLang="zh-CN" dirty="0" smtClean="0"/>
-              <a:t>3</a:t>
-            </a:r>
-            <a:endParaRPr lang="en-US" altLang="zh-CN" dirty="0"/>
-          </a:p>
-          <a:p>
-            <a:pPr marL="0" indent="0">
-              <a:buNone/>
-            </a:pPr>
-            <a:r>
-              <a:rPr lang="en-US" altLang="zh-CN" dirty="0"/>
-              <a:t>	</a:t>
-            </a:r>
-            <a:r>
-              <a:rPr lang="zh-CN" altLang="en-US" dirty="0" smtClean="0"/>
-              <a:t>逻辑</a:t>
-            </a:r>
-            <a:r>
-              <a:rPr lang="en-US" altLang="zh-CN" dirty="0" smtClean="0"/>
-              <a:t>······</a:t>
-            </a:r>
-          </a:p>
-          <a:p>
-            <a:pPr marL="0" indent="0">
-              <a:buNone/>
-            </a:pPr>
-            <a:r>
-              <a:rPr lang="en-US" altLang="zh-CN" dirty="0" smtClean="0"/>
-              <a:t>}</a:t>
+              <a:t>】</a:t>
+            </a:r>
+            <a:r>
+              <a:rPr lang="zh-CN" altLang="en-US" dirty="0" smtClean="0"/>
+              <a:t>，这个实例执行提取数据方法，返回数据</a:t>
             </a:r>
             <a:endParaRPr lang="zh-CN" altLang="en-US" dirty="0"/>
           </a:p>
@@ -4141,15 +4496,182 @@
           <a:p>
             <a:r>
               <a:rPr lang="zh-CN" altLang="en-US" dirty="0" smtClean="0"/>
-              <a:t>简单</a:t>
-            </a:r>
-            <a:r>
-              <a:rPr lang="zh-CN" altLang="en-US" dirty="0" smtClean="0"/>
-              <a:t>工厂</a:t>
-            </a:r>
-            <a:r>
-              <a:rPr lang="zh-CN" altLang="en-US" dirty="0" smtClean="0"/>
-              <a:t>模式结构</a:t>
+              <a:t>二、简单工厂模式</a:t>
+            </a:r>
+            <a:endParaRPr lang="zh-CN" altLang="en-US" dirty="0"/>
+          </a:p>
+        </p:txBody>
+      </p:sp>
+      <p:sp>
+        <p:nvSpPr>
+          <p:cNvPr id="3" name="内容占位符 2"/>
+          <p:cNvSpPr>
+            <a:spLocks noGrp="1"/>
+          </p:cNvSpPr>
+          <p:nvPr>
+            <p:ph idx="1"/>
+          </p:nvPr>
+        </p:nvSpPr>
+        <p:spPr/>
+        <p:txBody>
+          <a:bodyPr/>
+          <a:lstStyle/>
+          <a:p>
+            <a:pPr marL="0" indent="0">
+              <a:buNone/>
+            </a:pPr>
+            <a:r>
+              <a:rPr lang="zh-CN" altLang="en-US" dirty="0"/>
+              <a:t>初学者</a:t>
+            </a:r>
+            <a:r>
+              <a:rPr lang="zh-CN" altLang="en-US" dirty="0" smtClean="0"/>
+              <a:t>代码</a:t>
+            </a:r>
+            <a:endParaRPr lang="en-US" altLang="zh-CN" dirty="0" smtClean="0"/>
+          </a:p>
+          <a:p>
+            <a:pPr marL="0" indent="0">
+              <a:buNone/>
+            </a:pPr>
+            <a:r>
+              <a:rPr lang="zh-CN" altLang="en-US" dirty="0" smtClean="0"/>
+              <a:t>类</a:t>
+            </a:r>
+            <a:r>
+              <a:rPr lang="en-US" altLang="zh-CN" dirty="0" smtClean="0"/>
+              <a:t>{</a:t>
+            </a:r>
+          </a:p>
+          <a:p>
+            <a:pPr marL="0" indent="0">
+              <a:buNone/>
+            </a:pPr>
+            <a:r>
+              <a:rPr lang="en-US" altLang="zh-CN" dirty="0" smtClean="0"/>
+              <a:t>	</a:t>
+            </a:r>
+            <a:r>
+              <a:rPr lang="zh-CN" altLang="en-US" dirty="0" smtClean="0"/>
+              <a:t>逻辑</a:t>
+            </a:r>
+            <a:r>
+              <a:rPr lang="en-US" altLang="zh-CN" dirty="0" smtClean="0"/>
+              <a:t>1</a:t>
+            </a:r>
+          </a:p>
+          <a:p>
+            <a:pPr marL="0" indent="0">
+              <a:buNone/>
+            </a:pPr>
+            <a:r>
+              <a:rPr lang="en-US" altLang="zh-CN" dirty="0" smtClean="0"/>
+              <a:t>	</a:t>
+            </a:r>
+            <a:r>
+              <a:rPr lang="zh-CN" altLang="en-US" dirty="0" smtClean="0"/>
+              <a:t>逻辑</a:t>
+            </a:r>
+            <a:r>
+              <a:rPr lang="en-US" altLang="zh-CN" dirty="0" smtClean="0"/>
+              <a:t>2</a:t>
+            </a:r>
+          </a:p>
+          <a:p>
+            <a:pPr marL="0" indent="0">
+              <a:buNone/>
+            </a:pPr>
+            <a:r>
+              <a:rPr lang="en-US" altLang="zh-CN" dirty="0" smtClean="0"/>
+              <a:t>	</a:t>
+            </a:r>
+            <a:r>
+              <a:rPr lang="zh-CN" altLang="en-US" dirty="0" smtClean="0"/>
+              <a:t>逻辑</a:t>
+            </a:r>
+            <a:r>
+              <a:rPr lang="en-US" altLang="zh-CN" dirty="0" smtClean="0"/>
+              <a:t>3</a:t>
+            </a:r>
+            <a:endParaRPr lang="en-US" altLang="zh-CN" dirty="0"/>
+          </a:p>
+          <a:p>
+            <a:pPr marL="0" indent="0">
+              <a:buNone/>
+            </a:pPr>
+            <a:r>
+              <a:rPr lang="en-US" altLang="zh-CN" dirty="0"/>
+              <a:t>	</a:t>
+            </a:r>
+            <a:r>
+              <a:rPr lang="zh-CN" altLang="en-US" dirty="0" smtClean="0"/>
+              <a:t>逻辑</a:t>
+            </a:r>
+            <a:r>
+              <a:rPr lang="en-US" altLang="zh-CN" dirty="0" smtClean="0"/>
+              <a:t>······</a:t>
+            </a:r>
+          </a:p>
+          <a:p>
+            <a:pPr marL="0" indent="0">
+              <a:buNone/>
+            </a:pPr>
+            <a:r>
+              <a:rPr lang="en-US" altLang="zh-CN" dirty="0" smtClean="0"/>
+              <a:t>}</a:t>
+            </a:r>
+            <a:endParaRPr lang="zh-CN" altLang="en-US" dirty="0"/>
+          </a:p>
+        </p:txBody>
+      </p:sp>
+    </p:spTree>
+    <p:extLst>
+      <p:ext uri="{BB962C8B-B14F-4D97-AF65-F5344CB8AC3E}">
+        <p14:creationId xmlns:p14="http://schemas.microsoft.com/office/powerpoint/2010/main" val="2642687248"/>
+      </p:ext>
+    </p:extLst>
+  </p:cSld>
+  <p:clrMapOvr>
+    <a:masterClrMapping/>
+  </p:clrMapOvr>
+</p:sld>
+</file>
+
+<file path=ppt/slides/slide9.xml><?xml version="1.0" encoding="utf-8"?>
+<p:sld xmlns:a="http://schemas.openxmlformats.org/drawingml/2006/main" xmlns:r="http://schemas.openxmlformats.org/officeDocument/2006/relationships" xmlns:p="http://schemas.openxmlformats.org/presentationml/2006/main">
+  <p:cSld>
+    <p:spTree>
+      <p:nvGrpSpPr>
+        <p:cNvPr id="1" name=""/>
+        <p:cNvGrpSpPr/>
+        <p:nvPr/>
+      </p:nvGrpSpPr>
+      <p:grpSpPr>
+        <a:xfrm>
+          <a:off x="0" y="0"/>
+          <a:ext cx="0" cy="0"/>
+          <a:chOff x="0" y="0"/>
+          <a:chExt cx="0" cy="0"/>
+        </a:xfrm>
+      </p:grpSpPr>
+      <p:sp>
+        <p:nvSpPr>
+          <p:cNvPr id="2" name="标题 1"/>
+          <p:cNvSpPr>
+            <a:spLocks noGrp="1"/>
+          </p:cNvSpPr>
+          <p:nvPr>
+            <p:ph type="title"/>
+          </p:nvPr>
+        </p:nvSpPr>
+        <p:spPr/>
+        <p:txBody>
+          <a:bodyPr/>
+          <a:lstStyle/>
+          <a:p>
+            <a:r>
+              <a:rPr lang="zh-CN" altLang="en-US" dirty="0" smtClean="0"/>
+              <a:t>简单工厂模式结构</a:t>
             </a:r>
             <a:endParaRPr lang="zh-CN" altLang="en-US" dirty="0"/>
           </a:p>
@@ -4195,192 +4717,6 @@
   <p:clrMapOvr>
     <a:masterClrMapping/>
   </p:clrMapOvr>
-</p:sld>
-</file>
-
-<file path=ppt/slides/slide9.xml><?xml version="1.0" encoding="utf-8"?>
-<p:sld xmlns:a="http://schemas.openxmlformats.org/drawingml/2006/main" xmlns:r="http://schemas.openxmlformats.org/officeDocument/2006/relationships" xmlns:p="http://schemas.openxmlformats.org/presentationml/2006/main">
-  <p:cSld>
-    <p:spTree>
-      <p:nvGrpSpPr>
-        <p:cNvPr id="1" name=""/>
-        <p:cNvGrpSpPr/>
-        <p:nvPr/>
-      </p:nvGrpSpPr>
-      <p:grpSpPr>
-        <a:xfrm>
-          <a:off x="0" y="0"/>
-          <a:ext cx="0" cy="0"/>
-          <a:chOff x="0" y="0"/>
-          <a:chExt cx="0" cy="0"/>
-        </a:xfrm>
-      </p:grpSpPr>
-      <p:pic>
-        <p:nvPicPr>
-          <p:cNvPr id="4" name="内容占位符 3"/>
-          <p:cNvPicPr>
-            <a:picLocks noGrp="1" noChangeAspect="1"/>
-          </p:cNvPicPr>
-          <p:nvPr>
-            <p:ph idx="1"/>
-          </p:nvPr>
-        </p:nvPicPr>
-        <p:blipFill>
-          <a:blip r:embed="rId2">
-            <a:extLst>
-              <a:ext uri="{28A0092B-C50C-407E-A947-70E740481C1C}">
-                <a14:useLocalDpi xmlns:a14="http://schemas.microsoft.com/office/drawing/2010/main" val="0"/>
-              </a:ext>
-            </a:extLst>
-          </a:blip>
-          <a:stretch>
-            <a:fillRect/>
-          </a:stretch>
-        </p:blipFill>
-        <p:spPr>
-          <a:xfrm>
-            <a:off x="6076950" y="3963194"/>
-            <a:ext cx="38100" cy="76200"/>
-          </a:xfrm>
-        </p:spPr>
-      </p:pic>
-      <p:pic>
-        <p:nvPicPr>
-          <p:cNvPr id="5" name="图片 4"/>
-          <p:cNvPicPr>
-            <a:picLocks noChangeAspect="1"/>
-          </p:cNvPicPr>
-          <p:nvPr/>
-        </p:nvPicPr>
-        <p:blipFill>
-          <a:blip r:embed="rId2">
-            <a:extLst>
-              <a:ext uri="{28A0092B-C50C-407E-A947-70E740481C1C}">
-                <a14:useLocalDpi xmlns:a14="http://schemas.microsoft.com/office/drawing/2010/main" val="0"/>
-              </a:ext>
-            </a:extLst>
-          </a:blip>
-          <a:stretch>
-            <a:fillRect/>
-          </a:stretch>
-        </p:blipFill>
-        <p:spPr>
-          <a:xfrm>
-            <a:off x="6076950" y="3390900"/>
-            <a:ext cx="38100" cy="76200"/>
-          </a:xfrm>
-          <a:prstGeom prst="rect">
-            <a:avLst/>
-          </a:prstGeom>
-        </p:spPr>
-      </p:pic>
-      <p:pic>
-        <p:nvPicPr>
-          <p:cNvPr id="6" name="图片 5"/>
-          <p:cNvPicPr>
-            <a:picLocks noChangeAspect="1"/>
-          </p:cNvPicPr>
-          <p:nvPr/>
-        </p:nvPicPr>
-        <p:blipFill>
-          <a:blip r:embed="rId2">
-            <a:extLst>
-              <a:ext uri="{28A0092B-C50C-407E-A947-70E740481C1C}">
-                <a14:useLocalDpi xmlns:a14="http://schemas.microsoft.com/office/drawing/2010/main" val="0"/>
-              </a:ext>
-            </a:extLst>
-          </a:blip>
-          <a:stretch>
-            <a:fillRect/>
-          </a:stretch>
-        </p:blipFill>
-        <p:spPr>
-          <a:xfrm>
-            <a:off x="6076950" y="3390900"/>
-            <a:ext cx="38100" cy="76200"/>
-          </a:xfrm>
-          <a:prstGeom prst="rect">
-            <a:avLst/>
-          </a:prstGeom>
-        </p:spPr>
-      </p:pic>
-      <p:pic>
-        <p:nvPicPr>
-          <p:cNvPr id="7" name="图片 6"/>
-          <p:cNvPicPr>
-            <a:picLocks noChangeAspect="1"/>
-          </p:cNvPicPr>
-          <p:nvPr/>
-        </p:nvPicPr>
-        <p:blipFill>
-          <a:blip r:embed="rId2">
-            <a:extLst>
-              <a:ext uri="{28A0092B-C50C-407E-A947-70E740481C1C}">
-                <a14:useLocalDpi xmlns:a14="http://schemas.microsoft.com/office/drawing/2010/main" val="0"/>
-              </a:ext>
-            </a:extLst>
-          </a:blip>
-          <a:stretch>
-            <a:fillRect/>
-          </a:stretch>
-        </p:blipFill>
-        <p:spPr>
-          <a:xfrm>
-            <a:off x="6076950" y="3390900"/>
-            <a:ext cx="38100" cy="76200"/>
-          </a:xfrm>
-          <a:prstGeom prst="rect">
-            <a:avLst/>
-          </a:prstGeom>
-        </p:spPr>
-      </p:pic>
-      <p:pic>
-        <p:nvPicPr>
-          <p:cNvPr id="8" name="图片 7"/>
-          <p:cNvPicPr>
-            <a:picLocks noChangeAspect="1"/>
-          </p:cNvPicPr>
-          <p:nvPr/>
-        </p:nvPicPr>
-        <p:blipFill>
-          <a:blip r:embed="rId2">
-            <a:extLst>
-              <a:ext uri="{28A0092B-C50C-407E-A947-70E740481C1C}">
-                <a14:useLocalDpi xmlns:a14="http://schemas.microsoft.com/office/drawing/2010/main" val="0"/>
-              </a:ext>
-            </a:extLst>
-          </a:blip>
-          <a:stretch>
-            <a:fillRect/>
-          </a:stretch>
-        </p:blipFill>
-        <p:spPr>
-          <a:xfrm>
-            <a:off x="6076950" y="3390900"/>
-            <a:ext cx="38100" cy="76200"/>
-          </a:xfrm>
-          <a:prstGeom prst="rect">
-            <a:avLst/>
-          </a:prstGeom>
-        </p:spPr>
-      </p:pic>
-    </p:spTree>
-    <p:extLst>
-      <p:ext uri="{BB962C8B-B14F-4D97-AF65-F5344CB8AC3E}">
-        <p14:creationId xmlns:p14="http://schemas.microsoft.com/office/powerpoint/2010/main" val="895599893"/>
-      </p:ext>
-    </p:extLst>
-  </p:cSld>
-  <p:clrMapOvr>
-    <a:masterClrMapping/>
-  </p:clrMapOvr>
-  <p:timing>
-    <p:tnLst>
-      <p:par>
-        <p:cTn id="1" dur="indefinite" restart="never" nodeType="tmRoot"/>
-      </p:par>
-    </p:tnLst>
-  </p:timing>
 </p:sld>
 </file>
 
